--- a/FinalProject/MigrationPres.pptx
+++ b/FinalProject/MigrationPres.pptx
@@ -8019,8 +8019,7 @@
               <a:buNone/>
             </a:pPr>
             <a:r>
-              <a:rPr lang="en" sz="1500"/>
-              <a:t>Personal </a:t>
+              <a:t/>
             </a:r>
             <a:endParaRPr sz="1500"/>
           </a:p>
@@ -8035,7 +8034,8 @@
               <a:buNone/>
             </a:pPr>
             <a:r>
-              <a:t/>
+              <a:rPr lang="en" sz="1500"/>
+              <a:t>Personal</a:t>
             </a:r>
             <a:endParaRPr sz="1500"/>
           </a:p>
